--- a/Ball balancing project.pptx
+++ b/Ball balancing project.pptx
@@ -6704,8 +6704,8 @@
         </p:blipFill>
         <p:spPr>
           <a:xfrm flipH="false" flipV="false" rot="0">
-            <a:off x="5357795" y="1655250"/>
-            <a:ext cx="7572410" cy="6976501"/>
+            <a:off x="7965031" y="0"/>
+            <a:ext cx="10322969" cy="10287000"/>
           </a:xfrm>
           <a:prstGeom prst="rect">
             <a:avLst/>
@@ -6720,8 +6720,8 @@
         </p:nvSpPr>
         <p:spPr>
           <a:xfrm rot="0">
-            <a:off x="3095590" y="1028700"/>
-            <a:ext cx="12096821" cy="552450"/>
+            <a:off x="789083" y="2619554"/>
+            <a:ext cx="6238295" cy="1104900"/>
           </a:xfrm>
           <a:prstGeom prst="rect">
             <a:avLst/>
@@ -6733,6 +6733,22 @@
           </a:bodyPr>
           <a:lstStyle/>
           <a:p>
+            <a:pPr>
+              <a:lnSpc>
+                <a:spcPts val="4410"/>
+              </a:lnSpc>
+            </a:pPr>
+            <a:r>
+              <a:rPr lang="en-US" sz="3675">
+                <a:solidFill>
+                  <a:srgbClr val="FFFFFF"/>
+                </a:solidFill>
+                <a:latin typeface="Open Sans"/>
+              </a:rPr>
+              <a:t>Traiettorie reale della pallina</a:t>
+            </a:r>
+          </a:p>
+          <a:p>
             <a:pPr marL="0" indent="0" lvl="0">
               <a:lnSpc>
                 <a:spcPts val="4410"/>
@@ -6745,7 +6761,7 @@
                 </a:solidFill>
                 <a:latin typeface="Open Sans"/>
               </a:rPr>
-              <a:t>Traiettorie reale della pallina in modalità circle follower</a:t>
+              <a:t> in modalità circle follower</a:t>
             </a:r>
           </a:p>
         </p:txBody>

--- a/Ball balancing project.pptx
+++ b/Ball balancing project.pptx
@@ -6720,8 +6720,8 @@
         </p:nvSpPr>
         <p:spPr>
           <a:xfrm rot="0">
-            <a:off x="789083" y="2619554"/>
-            <a:ext cx="6238295" cy="1104900"/>
+            <a:off x="1028700" y="2966197"/>
+            <a:ext cx="6146555" cy="2177303"/>
           </a:xfrm>
           <a:prstGeom prst="rect">
             <a:avLst/>
@@ -6735,33 +6735,33 @@
           <a:p>
             <a:pPr>
               <a:lnSpc>
-                <a:spcPts val="4410"/>
-              </a:lnSpc>
-            </a:pPr>
-            <a:r>
-              <a:rPr lang="en-US" sz="3675">
+                <a:spcPts val="4345"/>
+              </a:lnSpc>
+            </a:pPr>
+            <a:r>
+              <a:rPr lang="en-US" sz="3621">
                 <a:solidFill>
                   <a:srgbClr val="FFFFFF"/>
                 </a:solidFill>
                 <a:latin typeface="Open Sans"/>
               </a:rPr>
-              <a:t>Traiettorie reale della pallina</a:t>
+              <a:t>Confronto traiettoria comandata ed eseguita della pallina</a:t>
             </a:r>
           </a:p>
           <a:p>
             <a:pPr marL="0" indent="0" lvl="0">
               <a:lnSpc>
-                <a:spcPts val="4410"/>
-              </a:lnSpc>
-            </a:pPr>
-            <a:r>
-              <a:rPr lang="en-US" sz="3675">
+                <a:spcPts val="4345"/>
+              </a:lnSpc>
+            </a:pPr>
+            <a:r>
+              <a:rPr lang="en-US" sz="3621">
                 <a:solidFill>
                   <a:srgbClr val="FFFFFF"/>
                 </a:solidFill>
                 <a:latin typeface="Open Sans"/>
               </a:rPr>
-              <a:t> in modalità circle follower</a:t>
+              <a:t>in modalità circle follower</a:t>
             </a:r>
           </a:p>
         </p:txBody>
